--- a/ui/blueprint.pptx
+++ b/ui/blueprint.pptx
@@ -8,6 +8,8 @@
     <p:sldId id="259" r:id="rId2"/>
     <p:sldId id="260" r:id="rId3"/>
     <p:sldId id="261" r:id="rId4"/>
+    <p:sldId id="262" r:id="rId5"/>
+    <p:sldId id="263" r:id="rId6"/>
   </p:sldIdLst>
   <p:sldSz cx="12192000" cy="6858000"/>
   <p:notesSz cx="6858000" cy="9144000"/>
@@ -114,6 +116,8 @@
             <p14:sldId id="259"/>
             <p14:sldId id="260"/>
             <p14:sldId id="261"/>
+            <p14:sldId id="262"/>
+            <p14:sldId id="263"/>
           </p14:sldIdLst>
         </p14:section>
       </p14:sectionLst>
@@ -1389,10 +1393,10 @@
       </p:sp>
       <p:sp>
         <p:nvSpPr>
-          <p:cNvPr id="3" name="正方形/長方形 2">
-            <a:extLst>
-              <a:ext uri="{FF2B5EF4-FFF2-40B4-BE49-F238E27FC236}">
-                <a16:creationId xmlns:a16="http://schemas.microsoft.com/office/drawing/2014/main" id="{B4398179-FE03-F422-3AB1-FFF50D76771A}"/>
+          <p:cNvPr id="5" name="正方形/長方形 4">
+            <a:extLst>
+              <a:ext uri="{FF2B5EF4-FFF2-40B4-BE49-F238E27FC236}">
+                <a16:creationId xmlns:a16="http://schemas.microsoft.com/office/drawing/2014/main" id="{D2EBE726-8A43-5EA8-964B-2DE9508501D1}"/>
               </a:ext>
             </a:extLst>
           </p:cNvPr>
@@ -1401,7 +1405,7 @@
         </p:nvSpPr>
         <p:spPr>
           <a:xfrm>
-            <a:off x="1900556" y="2091035"/>
+            <a:off x="1942249" y="4382251"/>
             <a:ext cx="2150744" cy="461665"/>
           </a:xfrm>
           <a:prstGeom prst="rect">
@@ -1431,17 +1435,17 @@
             <a:pPr algn="ctr"/>
             <a:r>
               <a:rPr kumimoji="1" lang="en-US" altLang="ja-JP" sz="2400" dirty="0"/>
-              <a:t>Local</a:t>
-            </a:r>
-          </a:p>
-        </p:txBody>
-      </p:sp>
-      <p:sp>
-        <p:nvSpPr>
-          <p:cNvPr id="4" name="正方形/長方形 3">
-            <a:extLst>
-              <a:ext uri="{FF2B5EF4-FFF2-40B4-BE49-F238E27FC236}">
-                <a16:creationId xmlns:a16="http://schemas.microsoft.com/office/drawing/2014/main" id="{2F6BB688-7A56-321F-64FF-B18C42BECB06}"/>
+              <a:t>Exit Game</a:t>
+            </a:r>
+          </a:p>
+        </p:txBody>
+      </p:sp>
+      <p:sp>
+        <p:nvSpPr>
+          <p:cNvPr id="9" name="正方形/長方形 8">
+            <a:extLst>
+              <a:ext uri="{FF2B5EF4-FFF2-40B4-BE49-F238E27FC236}">
+                <a16:creationId xmlns:a16="http://schemas.microsoft.com/office/drawing/2014/main" id="{6FD5A335-E6AC-0C17-4372-D9B55951DF50}"/>
               </a:ext>
             </a:extLst>
           </p:cNvPr>
@@ -1450,7 +1454,7 @@
         </p:nvSpPr>
         <p:spPr>
           <a:xfrm>
-            <a:off x="1900556" y="2679728"/>
+            <a:off x="1942249" y="2966050"/>
             <a:ext cx="2150744" cy="461665"/>
           </a:xfrm>
           <a:prstGeom prst="rect">
@@ -1480,17 +1484,17 @@
             <a:pPr algn="ctr"/>
             <a:r>
               <a:rPr kumimoji="1" lang="en-US" altLang="ja-JP" sz="2400" dirty="0"/>
-              <a:t>Online</a:t>
-            </a:r>
-          </a:p>
-        </p:txBody>
-      </p:sp>
-      <p:sp>
-        <p:nvSpPr>
-          <p:cNvPr id="5" name="正方形/長方形 4">
-            <a:extLst>
-              <a:ext uri="{FF2B5EF4-FFF2-40B4-BE49-F238E27FC236}">
-                <a16:creationId xmlns:a16="http://schemas.microsoft.com/office/drawing/2014/main" id="{D2EBE726-8A43-5EA8-964B-2DE9508501D1}"/>
+              <a:t>Theme</a:t>
+            </a:r>
+          </a:p>
+        </p:txBody>
+      </p:sp>
+      <p:sp>
+        <p:nvSpPr>
+          <p:cNvPr id="10" name="正方形/長方形 9">
+            <a:extLst>
+              <a:ext uri="{FF2B5EF4-FFF2-40B4-BE49-F238E27FC236}">
+                <a16:creationId xmlns:a16="http://schemas.microsoft.com/office/drawing/2014/main" id="{873C0121-6D42-4E43-6BA9-548D98142F63}"/>
               </a:ext>
             </a:extLst>
           </p:cNvPr>
@@ -1499,7 +1503,7 @@
         </p:nvSpPr>
         <p:spPr>
           <a:xfrm>
-            <a:off x="1900556" y="5224999"/>
+            <a:off x="1947330" y="3674150"/>
             <a:ext cx="2150744" cy="461665"/>
           </a:xfrm>
           <a:prstGeom prst="rect">
@@ -1529,17 +1533,17 @@
             <a:pPr algn="ctr"/>
             <a:r>
               <a:rPr kumimoji="1" lang="en-US" altLang="ja-JP" sz="2400" dirty="0"/>
-              <a:t>Exit Game</a:t>
-            </a:r>
-          </a:p>
-        </p:txBody>
-      </p:sp>
-      <p:sp>
-        <p:nvSpPr>
-          <p:cNvPr id="9" name="正方形/長方形 8">
-            <a:extLst>
-              <a:ext uri="{FF2B5EF4-FFF2-40B4-BE49-F238E27FC236}">
-                <a16:creationId xmlns:a16="http://schemas.microsoft.com/office/drawing/2014/main" id="{6FD5A335-E6AC-0C17-4372-D9B55951DF50}"/>
+              <a:t>Setting</a:t>
+            </a:r>
+          </a:p>
+        </p:txBody>
+      </p:sp>
+      <p:sp>
+        <p:nvSpPr>
+          <p:cNvPr id="11" name="正方形/長方形 10">
+            <a:extLst>
+              <a:ext uri="{FF2B5EF4-FFF2-40B4-BE49-F238E27FC236}">
+                <a16:creationId xmlns:a16="http://schemas.microsoft.com/office/drawing/2014/main" id="{52B30689-9BB8-400E-4D37-C3F0A2F92771}"/>
               </a:ext>
             </a:extLst>
           </p:cNvPr>
@@ -1548,105 +1552,7 @@
         </p:nvSpPr>
         <p:spPr>
           <a:xfrm>
-            <a:off x="1900556" y="4047614"/>
-            <a:ext cx="2150744" cy="461665"/>
-          </a:xfrm>
-          <a:prstGeom prst="rect">
-            <a:avLst/>
-          </a:prstGeom>
-        </p:spPr>
-        <p:style>
-          <a:lnRef idx="2">
-            <a:schemeClr val="dk1"/>
-          </a:lnRef>
-          <a:fillRef idx="1">
-            <a:schemeClr val="lt1"/>
-          </a:fillRef>
-          <a:effectRef idx="0">
-            <a:schemeClr val="dk1"/>
-          </a:effectRef>
-          <a:fontRef idx="minor">
-            <a:schemeClr val="dk1"/>
-          </a:fontRef>
-        </p:style>
-        <p:txBody>
-          <a:bodyPr wrap="square" rtlCol="0" anchor="ctr">
-            <a:spAutoFit/>
-          </a:bodyPr>
-          <a:lstStyle/>
-          <a:p>
-            <a:pPr algn="ctr"/>
-            <a:r>
-              <a:rPr kumimoji="1" lang="en-US" altLang="ja-JP" sz="2400" dirty="0"/>
-              <a:t>Theme</a:t>
-            </a:r>
-          </a:p>
-        </p:txBody>
-      </p:sp>
-      <p:sp>
-        <p:nvSpPr>
-          <p:cNvPr id="10" name="正方形/長方形 9">
-            <a:extLst>
-              <a:ext uri="{FF2B5EF4-FFF2-40B4-BE49-F238E27FC236}">
-                <a16:creationId xmlns:a16="http://schemas.microsoft.com/office/drawing/2014/main" id="{873C0121-6D42-4E43-6BA9-548D98142F63}"/>
-              </a:ext>
-            </a:extLst>
-          </p:cNvPr>
-          <p:cNvSpPr/>
-          <p:nvPr/>
-        </p:nvSpPr>
-        <p:spPr>
-          <a:xfrm>
-            <a:off x="1905637" y="4636307"/>
-            <a:ext cx="2150744" cy="461665"/>
-          </a:xfrm>
-          <a:prstGeom prst="rect">
-            <a:avLst/>
-          </a:prstGeom>
-        </p:spPr>
-        <p:style>
-          <a:lnRef idx="2">
-            <a:schemeClr val="dk1"/>
-          </a:lnRef>
-          <a:fillRef idx="1">
-            <a:schemeClr val="lt1"/>
-          </a:fillRef>
-          <a:effectRef idx="0">
-            <a:schemeClr val="dk1"/>
-          </a:effectRef>
-          <a:fontRef idx="minor">
-            <a:schemeClr val="dk1"/>
-          </a:fontRef>
-        </p:style>
-        <p:txBody>
-          <a:bodyPr wrap="square" rtlCol="0" anchor="ctr">
-            <a:spAutoFit/>
-          </a:bodyPr>
-          <a:lstStyle/>
-          <a:p>
-            <a:pPr algn="ctr"/>
-            <a:r>
-              <a:rPr kumimoji="1" lang="en-US" altLang="ja-JP" sz="2400" dirty="0"/>
-              <a:t>Setting</a:t>
-            </a:r>
-          </a:p>
-        </p:txBody>
-      </p:sp>
-      <p:sp>
-        <p:nvSpPr>
-          <p:cNvPr id="11" name="正方形/長方形 10">
-            <a:extLst>
-              <a:ext uri="{FF2B5EF4-FFF2-40B4-BE49-F238E27FC236}">
-                <a16:creationId xmlns:a16="http://schemas.microsoft.com/office/drawing/2014/main" id="{52B30689-9BB8-400E-4D37-C3F0A2F92771}"/>
-              </a:ext>
-            </a:extLst>
-          </p:cNvPr>
-          <p:cNvSpPr/>
-          <p:nvPr/>
-        </p:nvSpPr>
-        <p:spPr>
-          <a:xfrm>
-            <a:off x="1900556" y="3458921"/>
+            <a:off x="1942249" y="2257950"/>
             <a:ext cx="2150744" cy="461665"/>
           </a:xfrm>
           <a:prstGeom prst="rect">
@@ -4723,8 +4629,8 @@
         </p:nvSpPr>
         <p:spPr>
           <a:xfrm>
-            <a:off x="4109619" y="230830"/>
-            <a:ext cx="8082381" cy="646331"/>
+            <a:off x="4157250" y="230830"/>
+            <a:ext cx="8034750" cy="646331"/>
           </a:xfrm>
           <a:prstGeom prst="rect">
             <a:avLst/>
@@ -5750,7 +5656,7 @@
             <a:pPr algn="ctr"/>
             <a:r>
               <a:rPr kumimoji="1" lang="en-US" altLang="ja-JP" sz="1400" dirty="0"/>
-              <a:t>Controller Threshold</a:t>
+              <a:t>#</a:t>
             </a:r>
             <a:endParaRPr kumimoji="1" lang="ja-JP" altLang="en-US" sz="1400" dirty="0"/>
           </a:p>
@@ -5926,7 +5832,7 @@
             <a:pPr algn="ctr"/>
             <a:r>
               <a:rPr lang="en-US" altLang="ja-JP" sz="1400" dirty="0"/>
-              <a:t>#</a:t>
+              <a:t>Controller Threshold</a:t>
             </a:r>
             <a:endParaRPr kumimoji="1" lang="ja-JP" altLang="en-US" sz="1400" dirty="0"/>
           </a:p>
@@ -6249,6 +6155,340 @@
     <p:extLst>
       <p:ext uri="{BB962C8B-B14F-4D97-AF65-F5344CB8AC3E}">
         <p14:creationId xmlns:p14="http://schemas.microsoft.com/office/powerpoint/2010/main" val="3639795625"/>
+      </p:ext>
+    </p:extLst>
+  </p:cSld>
+  <p:clrMapOvr>
+    <a:masterClrMapping/>
+  </p:clrMapOvr>
+</p:sld>
+</file>
+
+<file path=ppt/slides/slide4.xml><?xml version="1.0" encoding="utf-8"?>
+<p:sld xmlns:a="http://schemas.openxmlformats.org/drawingml/2006/main" xmlns:r="http://schemas.openxmlformats.org/officeDocument/2006/relationships" xmlns:p="http://schemas.openxmlformats.org/presentationml/2006/main">
+  <p:cSld>
+    <p:spTree>
+      <p:nvGrpSpPr>
+        <p:cNvPr id="1" name=""/>
+        <p:cNvGrpSpPr/>
+        <p:nvPr/>
+      </p:nvGrpSpPr>
+      <p:grpSpPr>
+        <a:xfrm>
+          <a:off x="0" y="0"/>
+          <a:ext cx="0" cy="0"/>
+          <a:chOff x="0" y="0"/>
+          <a:chExt cx="0" cy="0"/>
+        </a:xfrm>
+      </p:grpSpPr>
+      <p:sp>
+        <p:nvSpPr>
+          <p:cNvPr id="2" name="テキスト ボックス 1">
+            <a:extLst>
+              <a:ext uri="{FF2B5EF4-FFF2-40B4-BE49-F238E27FC236}">
+                <a16:creationId xmlns:a16="http://schemas.microsoft.com/office/drawing/2014/main" id="{37A28330-8C65-8E5F-5288-BE02F5A01690}"/>
+              </a:ext>
+            </a:extLst>
+          </p:cNvPr>
+          <p:cNvSpPr txBox="1">
+            <a:spLocks/>
+          </p:cNvSpPr>
+          <p:nvPr/>
+        </p:nvSpPr>
+        <p:spPr>
+          <a:xfrm>
+            <a:off x="0" y="0"/>
+            <a:ext cx="12191999" cy="1107996"/>
+          </a:xfrm>
+          <a:prstGeom prst="rect">
+            <a:avLst/>
+          </a:prstGeom>
+          <a:noFill/>
+        </p:spPr>
+        <p:txBody>
+          <a:bodyPr wrap="square" rtlCol="0" anchor="ctr" anchorCtr="0">
+            <a:spAutoFit/>
+          </a:bodyPr>
+          <a:lstStyle/>
+          <a:p>
+            <a:pPr algn="ctr"/>
+            <a:r>
+              <a:rPr lang="en-US" altLang="ja-JP" sz="6600" dirty="0"/>
+              <a:t>Leaderboard</a:t>
+            </a:r>
+            <a:endParaRPr kumimoji="1" lang="ja-JP" altLang="en-US" sz="6600" dirty="0"/>
+          </a:p>
+        </p:txBody>
+      </p:sp>
+      <p:sp>
+        <p:nvSpPr>
+          <p:cNvPr id="3" name="正方形/長方形 2">
+            <a:extLst>
+              <a:ext uri="{FF2B5EF4-FFF2-40B4-BE49-F238E27FC236}">
+                <a16:creationId xmlns:a16="http://schemas.microsoft.com/office/drawing/2014/main" id="{90AC5BC6-69D3-D82E-960B-E6648C1C34B9}"/>
+              </a:ext>
+            </a:extLst>
+          </p:cNvPr>
+          <p:cNvSpPr>
+            <a:spLocks/>
+          </p:cNvSpPr>
+          <p:nvPr/>
+        </p:nvSpPr>
+        <p:spPr>
+          <a:xfrm>
+            <a:off x="252413" y="6230005"/>
+            <a:ext cx="3538124" cy="523220"/>
+          </a:xfrm>
+          <a:prstGeom prst="rect">
+            <a:avLst/>
+          </a:prstGeom>
+        </p:spPr>
+        <p:style>
+          <a:lnRef idx="2">
+            <a:schemeClr val="dk1"/>
+          </a:lnRef>
+          <a:fillRef idx="1">
+            <a:schemeClr val="lt1"/>
+          </a:fillRef>
+          <a:effectRef idx="0">
+            <a:schemeClr val="dk1"/>
+          </a:effectRef>
+          <a:fontRef idx="minor">
+            <a:schemeClr val="dk1"/>
+          </a:fontRef>
+        </p:style>
+        <p:txBody>
+          <a:bodyPr wrap="square" rtlCol="0" anchor="ctr">
+            <a:spAutoFit/>
+          </a:bodyPr>
+          <a:lstStyle/>
+          <a:p>
+            <a:pPr algn="ctr"/>
+            <a:r>
+              <a:rPr kumimoji="1" lang="en-US" altLang="ja-JP" sz="2800" dirty="0"/>
+              <a:t>Back to Menu</a:t>
+            </a:r>
+          </a:p>
+        </p:txBody>
+      </p:sp>
+    </p:spTree>
+    <p:extLst>
+      <p:ext uri="{BB962C8B-B14F-4D97-AF65-F5344CB8AC3E}">
+        <p14:creationId xmlns:p14="http://schemas.microsoft.com/office/powerpoint/2010/main" val="1921678075"/>
+      </p:ext>
+    </p:extLst>
+  </p:cSld>
+  <p:clrMapOvr>
+    <a:masterClrMapping/>
+  </p:clrMapOvr>
+</p:sld>
+</file>
+
+<file path=ppt/slides/slide5.xml><?xml version="1.0" encoding="utf-8"?>
+<p:sld xmlns:a="http://schemas.openxmlformats.org/drawingml/2006/main" xmlns:r="http://schemas.openxmlformats.org/officeDocument/2006/relationships" xmlns:p="http://schemas.openxmlformats.org/presentationml/2006/main">
+  <p:cSld>
+    <p:spTree>
+      <p:nvGrpSpPr>
+        <p:cNvPr id="1" name=""/>
+        <p:cNvGrpSpPr/>
+        <p:nvPr/>
+      </p:nvGrpSpPr>
+      <p:grpSpPr>
+        <a:xfrm>
+          <a:off x="0" y="0"/>
+          <a:ext cx="0" cy="0"/>
+          <a:chOff x="0" y="0"/>
+          <a:chExt cx="0" cy="0"/>
+        </a:xfrm>
+      </p:grpSpPr>
+      <p:sp>
+        <p:nvSpPr>
+          <p:cNvPr id="3" name="正方形/長方形 2">
+            <a:extLst>
+              <a:ext uri="{FF2B5EF4-FFF2-40B4-BE49-F238E27FC236}">
+                <a16:creationId xmlns:a16="http://schemas.microsoft.com/office/drawing/2014/main" id="{5F191AC0-F271-5C20-015E-9011FAC94056}"/>
+              </a:ext>
+            </a:extLst>
+          </p:cNvPr>
+          <p:cNvSpPr/>
+          <p:nvPr/>
+        </p:nvSpPr>
+        <p:spPr>
+          <a:xfrm>
+            <a:off x="3048000" y="2581274"/>
+            <a:ext cx="6096000" cy="1695451"/>
+          </a:xfrm>
+          <a:prstGeom prst="rect">
+            <a:avLst/>
+          </a:prstGeom>
+        </p:spPr>
+        <p:style>
+          <a:lnRef idx="2">
+            <a:schemeClr val="dk1"/>
+          </a:lnRef>
+          <a:fillRef idx="1">
+            <a:schemeClr val="lt1"/>
+          </a:fillRef>
+          <a:effectRef idx="0">
+            <a:schemeClr val="dk1"/>
+          </a:effectRef>
+          <a:fontRef idx="minor">
+            <a:schemeClr val="dk1"/>
+          </a:fontRef>
+        </p:style>
+        <p:txBody>
+          <a:bodyPr rtlCol="0" anchor="ctr"/>
+          <a:lstStyle/>
+          <a:p>
+            <a:pPr algn="ctr"/>
+            <a:endParaRPr kumimoji="1" lang="ja-JP" altLang="en-US"/>
+          </a:p>
+        </p:txBody>
+      </p:sp>
+      <p:sp>
+        <p:nvSpPr>
+          <p:cNvPr id="2" name="正方形/長方形 1">
+            <a:extLst>
+              <a:ext uri="{FF2B5EF4-FFF2-40B4-BE49-F238E27FC236}">
+                <a16:creationId xmlns:a16="http://schemas.microsoft.com/office/drawing/2014/main" id="{5FC54118-7D0E-AF0C-577C-C64A6CD648B9}"/>
+              </a:ext>
+            </a:extLst>
+          </p:cNvPr>
+          <p:cNvSpPr>
+            <a:spLocks/>
+          </p:cNvSpPr>
+          <p:nvPr/>
+        </p:nvSpPr>
+        <p:spPr>
+          <a:xfrm>
+            <a:off x="3291690" y="3443617"/>
+            <a:ext cx="2699534" cy="523220"/>
+          </a:xfrm>
+          <a:prstGeom prst="rect">
+            <a:avLst/>
+          </a:prstGeom>
+        </p:spPr>
+        <p:style>
+          <a:lnRef idx="2">
+            <a:schemeClr val="dk1"/>
+          </a:lnRef>
+          <a:fillRef idx="1">
+            <a:schemeClr val="lt1"/>
+          </a:fillRef>
+          <a:effectRef idx="0">
+            <a:schemeClr val="dk1"/>
+          </a:effectRef>
+          <a:fontRef idx="minor">
+            <a:schemeClr val="dk1"/>
+          </a:fontRef>
+        </p:style>
+        <p:txBody>
+          <a:bodyPr wrap="square" rtlCol="0" anchor="ctr">
+            <a:spAutoFit/>
+          </a:bodyPr>
+          <a:lstStyle/>
+          <a:p>
+            <a:pPr algn="ctr"/>
+            <a:r>
+              <a:rPr kumimoji="1" lang="en-US" altLang="ja-JP" sz="2800" dirty="0"/>
+              <a:t>Cancel</a:t>
+            </a:r>
+          </a:p>
+        </p:txBody>
+      </p:sp>
+      <p:sp>
+        <p:nvSpPr>
+          <p:cNvPr id="4" name="テキスト ボックス 3">
+            <a:extLst>
+              <a:ext uri="{FF2B5EF4-FFF2-40B4-BE49-F238E27FC236}">
+                <a16:creationId xmlns:a16="http://schemas.microsoft.com/office/drawing/2014/main" id="{DD63718D-8EF6-EB73-E652-746EB347F903}"/>
+              </a:ext>
+            </a:extLst>
+          </p:cNvPr>
+          <p:cNvSpPr txBox="1">
+            <a:spLocks/>
+          </p:cNvSpPr>
+          <p:nvPr/>
+        </p:nvSpPr>
+        <p:spPr>
+          <a:xfrm>
+            <a:off x="3047999" y="2801532"/>
+            <a:ext cx="6096000" cy="400110"/>
+          </a:xfrm>
+          <a:prstGeom prst="rect">
+            <a:avLst/>
+          </a:prstGeom>
+          <a:noFill/>
+        </p:spPr>
+        <p:txBody>
+          <a:bodyPr wrap="square" rtlCol="0" anchor="ctr" anchorCtr="0">
+            <a:spAutoFit/>
+          </a:bodyPr>
+          <a:lstStyle/>
+          <a:p>
+            <a:pPr algn="ctr"/>
+            <a:r>
+              <a:rPr kumimoji="1" lang="en-US" altLang="ja-JP" sz="2000" dirty="0"/>
+              <a:t>2 more players are needed to play this mode.</a:t>
+            </a:r>
+          </a:p>
+        </p:txBody>
+      </p:sp>
+      <p:sp>
+        <p:nvSpPr>
+          <p:cNvPr id="5" name="正方形/長方形 4">
+            <a:extLst>
+              <a:ext uri="{FF2B5EF4-FFF2-40B4-BE49-F238E27FC236}">
+                <a16:creationId xmlns:a16="http://schemas.microsoft.com/office/drawing/2014/main" id="{AE14DE76-4748-639A-592C-D75DD180CEEA}"/>
+              </a:ext>
+            </a:extLst>
+          </p:cNvPr>
+          <p:cNvSpPr>
+            <a:spLocks/>
+          </p:cNvSpPr>
+          <p:nvPr/>
+        </p:nvSpPr>
+        <p:spPr>
+          <a:xfrm>
+            <a:off x="6200778" y="3443617"/>
+            <a:ext cx="2699534" cy="523220"/>
+          </a:xfrm>
+          <a:prstGeom prst="rect">
+            <a:avLst/>
+          </a:prstGeom>
+        </p:spPr>
+        <p:style>
+          <a:lnRef idx="2">
+            <a:schemeClr val="dk1"/>
+          </a:lnRef>
+          <a:fillRef idx="1">
+            <a:schemeClr val="lt1"/>
+          </a:fillRef>
+          <a:effectRef idx="0">
+            <a:schemeClr val="dk1"/>
+          </a:effectRef>
+          <a:fontRef idx="minor">
+            <a:schemeClr val="dk1"/>
+          </a:fontRef>
+        </p:style>
+        <p:txBody>
+          <a:bodyPr wrap="square" rtlCol="0" anchor="ctr">
+            <a:spAutoFit/>
+          </a:bodyPr>
+          <a:lstStyle/>
+          <a:p>
+            <a:pPr algn="ctr"/>
+            <a:r>
+              <a:rPr kumimoji="1" lang="en-US" altLang="ja-JP" sz="2800" dirty="0"/>
+              <a:t>OK</a:t>
+            </a:r>
+          </a:p>
+        </p:txBody>
+      </p:sp>
+    </p:spTree>
+    <p:extLst>
+      <p:ext uri="{BB962C8B-B14F-4D97-AF65-F5344CB8AC3E}">
+        <p14:creationId xmlns:p14="http://schemas.microsoft.com/office/powerpoint/2010/main" val="1152092495"/>
       </p:ext>
     </p:extLst>
   </p:cSld>
